--- a/APP_LEBPS_solo.pptx
+++ b/APP_LEBPS_solo.pptx
@@ -3458,11 +3458,43 @@
               </a:rPr>
               <a:t>Learning English By Pop Song</a:t>
             </a:r>
-            <a:endParaRPr lang="en-US" altLang="ko-KR" sz="1600" kern="0" dirty="0">
-              <a:solidFill>
-                <a:schemeClr val="bg1"/>
-              </a:solidFill>
-            </a:endParaRPr>
+          </a:p>
+        </p:txBody>
+      </p:sp>
+      <p:sp>
+        <p:nvSpPr>
+          <p:cNvPr id="5" name="TextBox 4"/>
+          <p:cNvSpPr txBox="1"/>
+          <p:nvPr/>
+        </p:nvSpPr>
+        <p:spPr>
+          <a:xfrm>
+            <a:off x="3780708" y="6187289"/>
+            <a:ext cx="4563762" cy="646331"/>
+          </a:xfrm>
+          <a:prstGeom prst="rect">
+            <a:avLst/>
+          </a:prstGeom>
+          <a:noFill/>
+        </p:spPr>
+        <p:txBody>
+          <a:bodyPr wrap="square" rtlCol="0">
+            <a:spAutoFit/>
+          </a:bodyPr>
+          <a:lstStyle/>
+          <a:p>
+            <a:pPr algn="ctr"/>
+            <a:r>
+              <a:rPr lang="en-US" altLang="ko-KR" kern="0" dirty="0">
+                <a:solidFill>
+                  <a:schemeClr val="bg1"/>
+                </a:solidFill>
+              </a:rPr>
+              <a:t>Developer : Jae Seong Lee</a:t>
+            </a:r>
+          </a:p>
+          <a:p>
+            <a:endParaRPr lang="ko-KR" altLang="en-US" dirty="0"/>
           </a:p>
         </p:txBody>
       </p:sp>
@@ -6777,7 +6809,15 @@
                   <a:schemeClr val="accent2"/>
                 </a:solidFill>
               </a:rPr>
-              <a:t>(LEBPS</a:t>
+              <a:t>(</a:t>
+            </a:r>
+            <a:r>
+              <a:rPr lang="en-US" altLang="ko-KR" sz="1100" b="1" dirty="0" smtClean="0">
+                <a:solidFill>
+                  <a:schemeClr val="accent2"/>
+                </a:solidFill>
+              </a:rPr>
+              <a:t>LEBPS</a:t>
             </a:r>
             <a:r>
               <a:rPr lang="ko-KR" altLang="en-US" sz="1100" b="1" dirty="0" smtClean="0">
@@ -6785,7 +6825,23 @@
                   <a:schemeClr val="accent2"/>
                 </a:solidFill>
               </a:rPr>
-              <a:t>는 지원</a:t>
+              <a:t>에서만 단어장 자동생성</a:t>
+            </a:r>
+            <a:r>
+              <a:rPr lang="en-US" altLang="ko-KR" sz="1100" b="1" dirty="0" smtClean="0">
+                <a:solidFill>
+                  <a:schemeClr val="accent2"/>
+                </a:solidFill>
+              </a:rPr>
+              <a:t>, </a:t>
+            </a:r>
+            <a:r>
+              <a:rPr lang="ko-KR" altLang="en-US" sz="1100" b="1" dirty="0" smtClean="0">
+                <a:solidFill>
+                  <a:schemeClr val="accent2"/>
+                </a:solidFill>
+              </a:rPr>
+              <a:t>나만의 단어장 기능 지원 </a:t>
             </a:r>
             <a:r>
               <a:rPr lang="en-US" altLang="ko-KR" sz="1100" b="1" dirty="0" smtClean="0">
@@ -6861,7 +6917,23 @@
                   <a:schemeClr val="accent2"/>
                 </a:solidFill>
               </a:rPr>
-              <a:t>(LEBPS</a:t>
+              <a:t>(</a:t>
+            </a:r>
+            <a:r>
+              <a:rPr lang="en-US" altLang="ko-KR" sz="1100" b="1" dirty="0" smtClean="0">
+                <a:solidFill>
+                  <a:schemeClr val="accent2"/>
+                </a:solidFill>
+              </a:rPr>
+              <a:t>LEBPS</a:t>
+            </a:r>
+            <a:r>
+              <a:rPr lang="ko-KR" altLang="en-US" sz="1100" b="1" dirty="0" smtClean="0">
+                <a:solidFill>
+                  <a:schemeClr val="accent2"/>
+                </a:solidFill>
+              </a:rPr>
+              <a:t>에서만 </a:t>
             </a:r>
             <a:r>
               <a:rPr lang="ko-KR" altLang="en-US" sz="1100" b="1" dirty="0">
@@ -6869,7 +6941,7 @@
                   <a:schemeClr val="accent2"/>
                 </a:solidFill>
               </a:rPr>
-              <a:t>는 지원</a:t>
+              <a:t>지원</a:t>
             </a:r>
             <a:r>
               <a:rPr lang="en-US" altLang="ko-KR" sz="1100" b="1" dirty="0" smtClean="0">
@@ -12751,7 +12823,7 @@
                   <a:srgbClr val="00BDD5"/>
                 </a:solidFill>
               </a:rPr>
-              <a:t>팝송을 자주 듣거나 미국 드라마를 자주 들은</a:t>
+              <a:t>팝송을 자주 듣거나 미국 드라마를 자주 보라는 말을 들은 </a:t>
             </a:r>
             <a:r>
               <a:rPr lang="ko-KR" altLang="en-US" sz="1600" b="1" dirty="0" smtClean="0">
